--- a/iitsrc_poster.pptx
+++ b/iitsrc_poster.pptx
@@ -243,7 +243,7 @@
           <a:p>
             <a:fld id="{453B8752-2826-4446-954B-9200F57F5C3A}" type="datetimeFigureOut">
               <a:rPr lang="sk-SK" smtClean="0"/>
-              <a:t>14. 4. 2025</a:t>
+              <a:t>15. 4. 2025</a:t>
             </a:fld>
             <a:endParaRPr lang="sk-SK"/>
           </a:p>
@@ -413,7 +413,7 @@
           <a:p>
             <a:fld id="{453B8752-2826-4446-954B-9200F57F5C3A}" type="datetimeFigureOut">
               <a:rPr lang="sk-SK" smtClean="0"/>
-              <a:t>14. 4. 2025</a:t>
+              <a:t>15. 4. 2025</a:t>
             </a:fld>
             <a:endParaRPr lang="sk-SK"/>
           </a:p>
@@ -593,7 +593,7 @@
           <a:p>
             <a:fld id="{453B8752-2826-4446-954B-9200F57F5C3A}" type="datetimeFigureOut">
               <a:rPr lang="sk-SK" smtClean="0"/>
-              <a:t>14. 4. 2025</a:t>
+              <a:t>15. 4. 2025</a:t>
             </a:fld>
             <a:endParaRPr lang="sk-SK"/>
           </a:p>
@@ -763,7 +763,7 @@
           <a:p>
             <a:fld id="{453B8752-2826-4446-954B-9200F57F5C3A}" type="datetimeFigureOut">
               <a:rPr lang="sk-SK" smtClean="0"/>
-              <a:t>14. 4. 2025</a:t>
+              <a:t>15. 4. 2025</a:t>
             </a:fld>
             <a:endParaRPr lang="sk-SK"/>
           </a:p>
@@ -1009,7 +1009,7 @@
           <a:p>
             <a:fld id="{453B8752-2826-4446-954B-9200F57F5C3A}" type="datetimeFigureOut">
               <a:rPr lang="sk-SK" smtClean="0"/>
-              <a:t>14. 4. 2025</a:t>
+              <a:t>15. 4. 2025</a:t>
             </a:fld>
             <a:endParaRPr lang="sk-SK"/>
           </a:p>
@@ -1241,7 +1241,7 @@
           <a:p>
             <a:fld id="{453B8752-2826-4446-954B-9200F57F5C3A}" type="datetimeFigureOut">
               <a:rPr lang="sk-SK" smtClean="0"/>
-              <a:t>14. 4. 2025</a:t>
+              <a:t>15. 4. 2025</a:t>
             </a:fld>
             <a:endParaRPr lang="sk-SK"/>
           </a:p>
@@ -1608,7 +1608,7 @@
           <a:p>
             <a:fld id="{453B8752-2826-4446-954B-9200F57F5C3A}" type="datetimeFigureOut">
               <a:rPr lang="sk-SK" smtClean="0"/>
-              <a:t>14. 4. 2025</a:t>
+              <a:t>15. 4. 2025</a:t>
             </a:fld>
             <a:endParaRPr lang="sk-SK"/>
           </a:p>
@@ -1726,7 +1726,7 @@
           <a:p>
             <a:fld id="{453B8752-2826-4446-954B-9200F57F5C3A}" type="datetimeFigureOut">
               <a:rPr lang="sk-SK" smtClean="0"/>
-              <a:t>14. 4. 2025</a:t>
+              <a:t>15. 4. 2025</a:t>
             </a:fld>
             <a:endParaRPr lang="sk-SK"/>
           </a:p>
@@ -1821,7 +1821,7 @@
           <a:p>
             <a:fld id="{453B8752-2826-4446-954B-9200F57F5C3A}" type="datetimeFigureOut">
               <a:rPr lang="sk-SK" smtClean="0"/>
-              <a:t>14. 4. 2025</a:t>
+              <a:t>15. 4. 2025</a:t>
             </a:fld>
             <a:endParaRPr lang="sk-SK"/>
           </a:p>
@@ -2098,7 +2098,7 @@
           <a:p>
             <a:fld id="{453B8752-2826-4446-954B-9200F57F5C3A}" type="datetimeFigureOut">
               <a:rPr lang="sk-SK" smtClean="0"/>
-              <a:t>14. 4. 2025</a:t>
+              <a:t>15. 4. 2025</a:t>
             </a:fld>
             <a:endParaRPr lang="sk-SK"/>
           </a:p>
@@ -2355,7 +2355,7 @@
           <a:p>
             <a:fld id="{453B8752-2826-4446-954B-9200F57F5C3A}" type="datetimeFigureOut">
               <a:rPr lang="sk-SK" smtClean="0"/>
-              <a:t>14. 4. 2025</a:t>
+              <a:t>15. 4. 2025</a:t>
             </a:fld>
             <a:endParaRPr lang="sk-SK"/>
           </a:p>
@@ -2568,7 +2568,7 @@
           <a:p>
             <a:fld id="{453B8752-2826-4446-954B-9200F57F5C3A}" type="datetimeFigureOut">
               <a:rPr lang="sk-SK" smtClean="0"/>
-              <a:t>14. 4. 2025</a:t>
+              <a:t>15. 4. 2025</a:t>
             </a:fld>
             <a:endParaRPr lang="sk-SK"/>
           </a:p>
@@ -4590,193 +4590,181 @@
               <a:rPr lang="sk-SK" sz="2200" dirty="0">
                 <a:latin typeface="Rockwell" panose="02060603020205020403" pitchFamily="18" charset="0"/>
               </a:rPr>
-              <a:t> </a:t>
+              <a:t> €0.011 to €0.041 per </a:t>
+            </a:r>
+            <a:r>
+              <a:rPr lang="sk-SK" sz="2200" dirty="0" err="1">
+                <a:latin typeface="Rockwell" panose="02060603020205020403" pitchFamily="18" charset="0"/>
+              </a:rPr>
+              <a:t>domain</a:t>
+            </a:r>
+            <a:r>
+              <a:rPr lang="sk-SK" sz="2200" dirty="0">
+                <a:latin typeface="Rockwell" panose="02060603020205020403" pitchFamily="18" charset="0"/>
+              </a:rPr>
+              <a:t>. </a:t>
+            </a:r>
+          </a:p>
+          <a:p>
+            <a:pPr algn="just"/>
+            <a:r>
+              <a:rPr lang="sk-SK" sz="2200" dirty="0" err="1">
+                <a:latin typeface="Rockwell" panose="02060603020205020403" pitchFamily="18" charset="0"/>
+              </a:rPr>
+              <a:t>These</a:t>
+            </a:r>
+            <a:r>
+              <a:rPr lang="sk-SK" sz="2200" dirty="0">
+                <a:latin typeface="Rockwell" panose="02060603020205020403" pitchFamily="18" charset="0"/>
+              </a:rPr>
+              <a:t> </a:t>
+            </a:r>
+            <a:r>
+              <a:rPr lang="sk-SK" sz="2200" dirty="0" err="1">
+                <a:latin typeface="Rockwell" panose="02060603020205020403" pitchFamily="18" charset="0"/>
+              </a:rPr>
+              <a:t>results</a:t>
+            </a:r>
+            <a:r>
+              <a:rPr lang="sk-SK" sz="2200" dirty="0">
+                <a:latin typeface="Rockwell" panose="02060603020205020403" pitchFamily="18" charset="0"/>
+              </a:rPr>
+              <a:t> </a:t>
+            </a:r>
+            <a:r>
+              <a:rPr lang="sk-SK" sz="2200" dirty="0" err="1">
+                <a:latin typeface="Rockwell" panose="02060603020205020403" pitchFamily="18" charset="0"/>
+              </a:rPr>
+              <a:t>suggest</a:t>
+            </a:r>
+            <a:r>
+              <a:rPr lang="sk-SK" sz="2200" dirty="0">
+                <a:latin typeface="Rockwell" panose="02060603020205020403" pitchFamily="18" charset="0"/>
+              </a:rPr>
+              <a:t> </a:t>
+            </a:r>
+            <a:r>
+              <a:rPr lang="sk-SK" sz="2200" dirty="0" err="1">
+                <a:latin typeface="Rockwell" panose="02060603020205020403" pitchFamily="18" charset="0"/>
+              </a:rPr>
+              <a:t>that</a:t>
+            </a:r>
+            <a:r>
+              <a:rPr lang="sk-SK" sz="2200" dirty="0">
+                <a:latin typeface="Rockwell" panose="02060603020205020403" pitchFamily="18" charset="0"/>
+              </a:rPr>
+              <a:t> </a:t>
+            </a:r>
+            <a:r>
+              <a:rPr lang="sk-SK" sz="2200" dirty="0" err="1">
+                <a:latin typeface="Rockwell" panose="02060603020205020403" pitchFamily="18" charset="0"/>
+              </a:rPr>
+              <a:t>well-established</a:t>
+            </a:r>
+            <a:r>
+              <a:rPr lang="sk-SK" sz="2200" dirty="0">
+                <a:latin typeface="Rockwell" panose="02060603020205020403" pitchFamily="18" charset="0"/>
+              </a:rPr>
+              <a:t> </a:t>
+            </a:r>
+            <a:r>
+              <a:rPr lang="sk-SK" sz="2200" b="1" dirty="0" err="1">
+                <a:latin typeface="Rockwell" panose="02060603020205020403" pitchFamily="18" charset="0"/>
+              </a:rPr>
+              <a:t>machine</a:t>
             </a:r>
             <a:r>
               <a:rPr lang="sk-SK" sz="2200" b="1" dirty="0">
                 <a:latin typeface="Rockwell" panose="02060603020205020403" pitchFamily="18" charset="0"/>
               </a:rPr>
-              <a:t>€0.011 to €0.041 </a:t>
-            </a:r>
-            <a:r>
-              <a:rPr lang="sk-SK" sz="2200" dirty="0">
-                <a:latin typeface="Rockwell" panose="02060603020205020403" pitchFamily="18" charset="0"/>
-              </a:rPr>
-              <a:t>per </a:t>
-            </a:r>
-            <a:r>
-              <a:rPr lang="sk-SK" sz="2200" dirty="0" err="1">
-                <a:latin typeface="Rockwell" panose="02060603020205020403" pitchFamily="18" charset="0"/>
-              </a:rPr>
-              <a:t>domain</a:t>
-            </a:r>
-            <a:r>
-              <a:rPr lang="sk-SK" sz="2200" dirty="0">
-                <a:latin typeface="Rockwell" panose="02060603020205020403" pitchFamily="18" charset="0"/>
-              </a:rPr>
-              <a:t>. </a:t>
-            </a:r>
-          </a:p>
-          <a:p>
-            <a:pPr algn="just"/>
-            <a:r>
-              <a:rPr lang="sk-SK" sz="2200" dirty="0" err="1">
-                <a:latin typeface="Rockwell" panose="02060603020205020403" pitchFamily="18" charset="0"/>
-              </a:rPr>
-              <a:t>These</a:t>
-            </a:r>
-            <a:r>
-              <a:rPr lang="sk-SK" sz="2200" dirty="0">
-                <a:latin typeface="Rockwell" panose="02060603020205020403" pitchFamily="18" charset="0"/>
-              </a:rPr>
-              <a:t> </a:t>
-            </a:r>
-            <a:r>
-              <a:rPr lang="sk-SK" sz="2200" dirty="0" err="1">
-                <a:latin typeface="Rockwell" panose="02060603020205020403" pitchFamily="18" charset="0"/>
-              </a:rPr>
-              <a:t>results</a:t>
-            </a:r>
-            <a:r>
-              <a:rPr lang="sk-SK" sz="2200" dirty="0">
-                <a:latin typeface="Rockwell" panose="02060603020205020403" pitchFamily="18" charset="0"/>
-              </a:rPr>
-              <a:t> </a:t>
-            </a:r>
-            <a:r>
-              <a:rPr lang="sk-SK" sz="2200" dirty="0" err="1">
-                <a:latin typeface="Rockwell" panose="02060603020205020403" pitchFamily="18" charset="0"/>
-              </a:rPr>
-              <a:t>suggest</a:t>
-            </a:r>
-            <a:r>
-              <a:rPr lang="sk-SK" sz="2200" dirty="0">
-                <a:latin typeface="Rockwell" panose="02060603020205020403" pitchFamily="18" charset="0"/>
-              </a:rPr>
-              <a:t> </a:t>
-            </a:r>
-            <a:r>
-              <a:rPr lang="sk-SK" sz="2200" dirty="0" err="1">
-                <a:latin typeface="Rockwell" panose="02060603020205020403" pitchFamily="18" charset="0"/>
-              </a:rPr>
-              <a:t>that</a:t>
-            </a:r>
-            <a:r>
-              <a:rPr lang="sk-SK" sz="2200" dirty="0">
-                <a:latin typeface="Rockwell" panose="02060603020205020403" pitchFamily="18" charset="0"/>
-              </a:rPr>
-              <a:t> </a:t>
-            </a:r>
-            <a:r>
-              <a:rPr lang="sk-SK" sz="2200" dirty="0" err="1">
-                <a:latin typeface="Rockwell" panose="02060603020205020403" pitchFamily="18" charset="0"/>
-              </a:rPr>
-              <a:t>well-established</a:t>
-            </a:r>
-            <a:r>
-              <a:rPr lang="sk-SK" sz="2200" dirty="0">
-                <a:latin typeface="Rockwell" panose="02060603020205020403" pitchFamily="18" charset="0"/>
-              </a:rPr>
-              <a:t> </a:t>
-            </a:r>
-            <a:r>
-              <a:rPr lang="sk-SK" sz="2200" dirty="0" err="1">
-                <a:latin typeface="Rockwell" panose="02060603020205020403" pitchFamily="18" charset="0"/>
-              </a:rPr>
-              <a:t>machine</a:t>
-            </a:r>
-            <a:r>
-              <a:rPr lang="sk-SK" sz="2200" dirty="0">
-                <a:latin typeface="Rockwell" panose="02060603020205020403" pitchFamily="18" charset="0"/>
-              </a:rPr>
-              <a:t> </a:t>
-            </a:r>
-            <a:r>
-              <a:rPr lang="sk-SK" sz="2200" dirty="0" err="1">
+              <a:t> </a:t>
+            </a:r>
+            <a:r>
+              <a:rPr lang="sk-SK" sz="2200" b="1" dirty="0" err="1">
                 <a:latin typeface="Rockwell" panose="02060603020205020403" pitchFamily="18" charset="0"/>
               </a:rPr>
               <a:t>learning</a:t>
             </a:r>
             <a:r>
-              <a:rPr lang="sk-SK" sz="2200" dirty="0">
-                <a:latin typeface="Rockwell" panose="02060603020205020403" pitchFamily="18" charset="0"/>
-              </a:rPr>
-              <a:t> </a:t>
-            </a:r>
-            <a:r>
-              <a:rPr lang="sk-SK" sz="2200" dirty="0" err="1">
+              <a:rPr lang="sk-SK" sz="2200" b="1" dirty="0">
+                <a:latin typeface="Rockwell" panose="02060603020205020403" pitchFamily="18" charset="0"/>
+              </a:rPr>
+              <a:t> </a:t>
+            </a:r>
+            <a:r>
+              <a:rPr lang="sk-SK" sz="2200" b="1" dirty="0" err="1">
                 <a:latin typeface="Rockwell" panose="02060603020205020403" pitchFamily="18" charset="0"/>
               </a:rPr>
               <a:t>models</a:t>
             </a:r>
             <a:r>
-              <a:rPr lang="sk-SK" sz="2200" dirty="0">
-                <a:latin typeface="Rockwell" panose="02060603020205020403" pitchFamily="18" charset="0"/>
-              </a:rPr>
-              <a:t> </a:t>
-            </a:r>
-            <a:r>
-              <a:rPr lang="sk-SK" sz="2200" dirty="0" err="1">
+              <a:rPr lang="sk-SK" sz="2200" b="1" dirty="0">
+                <a:latin typeface="Rockwell" panose="02060603020205020403" pitchFamily="18" charset="0"/>
+              </a:rPr>
+              <a:t> </a:t>
+            </a:r>
+            <a:r>
+              <a:rPr lang="sk-SK" sz="2200" b="1" dirty="0" err="1">
                 <a:latin typeface="Rockwell" panose="02060603020205020403" pitchFamily="18" charset="0"/>
               </a:rPr>
               <a:t>can</a:t>
             </a:r>
             <a:r>
-              <a:rPr lang="sk-SK" sz="2200" dirty="0">
-                <a:latin typeface="Rockwell" panose="02060603020205020403" pitchFamily="18" charset="0"/>
-              </a:rPr>
-              <a:t> </a:t>
-            </a:r>
-            <a:r>
-              <a:rPr lang="sk-SK" sz="2200" dirty="0" err="1">
+              <a:rPr lang="sk-SK" sz="2200" b="1" dirty="0">
+                <a:latin typeface="Rockwell" panose="02060603020205020403" pitchFamily="18" charset="0"/>
+              </a:rPr>
+              <a:t> </a:t>
+            </a:r>
+            <a:r>
+              <a:rPr lang="sk-SK" sz="2200" b="1" dirty="0" err="1">
                 <a:latin typeface="Rockwell" panose="02060603020205020403" pitchFamily="18" charset="0"/>
               </a:rPr>
               <a:t>effectively</a:t>
             </a:r>
             <a:r>
-              <a:rPr lang="sk-SK" sz="2200" dirty="0">
-                <a:latin typeface="Rockwell" panose="02060603020205020403" pitchFamily="18" charset="0"/>
-              </a:rPr>
-              <a:t> </a:t>
-            </a:r>
-            <a:r>
-              <a:rPr lang="sk-SK" sz="2200" dirty="0" err="1">
+              <a:rPr lang="sk-SK" sz="2200" b="1" dirty="0">
+                <a:latin typeface="Rockwell" panose="02060603020205020403" pitchFamily="18" charset="0"/>
+              </a:rPr>
+              <a:t> </a:t>
+            </a:r>
+            <a:r>
+              <a:rPr lang="sk-SK" sz="2200" b="1" dirty="0" err="1">
                 <a:latin typeface="Rockwell" panose="02060603020205020403" pitchFamily="18" charset="0"/>
               </a:rPr>
               <a:t>replace</a:t>
             </a:r>
             <a:r>
-              <a:rPr lang="sk-SK" sz="2200" dirty="0">
+              <a:rPr lang="sk-SK" sz="2200" b="1" dirty="0">
                 <a:latin typeface="Rockwell" panose="02060603020205020403" pitchFamily="18" charset="0"/>
               </a:rPr>
               <a:t> LLM-</a:t>
             </a:r>
             <a:r>
-              <a:rPr lang="sk-SK" sz="2200" dirty="0" err="1">
+              <a:rPr lang="sk-SK" sz="2200" b="1" dirty="0" err="1">
                 <a:latin typeface="Rockwell" panose="02060603020205020403" pitchFamily="18" charset="0"/>
               </a:rPr>
               <a:t>based</a:t>
             </a:r>
             <a:r>
-              <a:rPr lang="sk-SK" sz="2200" dirty="0">
-                <a:latin typeface="Rockwell" panose="02060603020205020403" pitchFamily="18" charset="0"/>
-              </a:rPr>
-              <a:t> </a:t>
-            </a:r>
-            <a:r>
-              <a:rPr lang="sk-SK" sz="2200" dirty="0" err="1">
+              <a:rPr lang="sk-SK" sz="2200" b="1" dirty="0">
+                <a:latin typeface="Rockwell" panose="02060603020205020403" pitchFamily="18" charset="0"/>
+              </a:rPr>
+              <a:t> </a:t>
+            </a:r>
+            <a:r>
+              <a:rPr lang="sk-SK" sz="2200" b="1" dirty="0" err="1">
                 <a:latin typeface="Rockwell" panose="02060603020205020403" pitchFamily="18" charset="0"/>
               </a:rPr>
               <a:t>semantic</a:t>
             </a:r>
             <a:r>
-              <a:rPr lang="sk-SK" sz="2200" dirty="0">
-                <a:latin typeface="Rockwell" panose="02060603020205020403" pitchFamily="18" charset="0"/>
-              </a:rPr>
-              <a:t> </a:t>
-            </a:r>
-            <a:r>
-              <a:rPr lang="sk-SK" sz="2200" dirty="0" err="1">
+              <a:rPr lang="sk-SK" sz="2200" b="1" dirty="0">
+                <a:latin typeface="Rockwell" panose="02060603020205020403" pitchFamily="18" charset="0"/>
+              </a:rPr>
+              <a:t> </a:t>
+            </a:r>
+            <a:r>
+              <a:rPr lang="sk-SK" sz="2200" b="1" dirty="0" err="1">
                 <a:latin typeface="Rockwell" panose="02060603020205020403" pitchFamily="18" charset="0"/>
               </a:rPr>
               <a:t>routers</a:t>
